--- a/undergraduate/labs/signals-and-sockets.pptx
+++ b/undergraduate/labs/signals-and-sockets.pptx
@@ -198,7 +198,7 @@
           <a:p>
             <a:fld id="{EC53E720-1243-6043-B4C4-6E31C619CC0A}" type="datetimeFigureOut">
               <a:rPr lang="en-US" smtClean="0"/>
-              <a:t>2/9/17</a:t>
+              <a:t>3/1/17</a:t>
             </a:fld>
             <a:endParaRPr lang="en-US"/>
           </a:p>
@@ -697,7 +697,7 @@
           <a:p>
             <a:fld id="{26E720F5-B36D-F044-8ECF-58C3AADD4FFA}" type="datetime1">
               <a:rPr lang="en-US" smtClean="0"/>
-              <a:t>2/9/17</a:t>
+              <a:t>3/1/17</a:t>
             </a:fld>
             <a:endParaRPr lang="en-US"/>
           </a:p>
@@ -976,7 +976,7 @@
           <a:p>
             <a:fld id="{3A7898FD-2DE3-2242-AB42-1050745E6125}" type="datetime1">
               <a:rPr lang="en-US" smtClean="0"/>
-              <a:t>2/9/17</a:t>
+              <a:t>3/1/17</a:t>
             </a:fld>
             <a:endParaRPr lang="en-US"/>
           </a:p>
@@ -1231,7 +1231,7 @@
           <a:p>
             <a:fld id="{D3004C58-1FC4-1540-81EE-6BBA0CF83C34}" type="datetime1">
               <a:rPr lang="en-US" smtClean="0"/>
-              <a:t>2/9/17</a:t>
+              <a:t>3/1/17</a:t>
             </a:fld>
             <a:endParaRPr lang="en-US"/>
           </a:p>
@@ -1409,7 +1409,7 @@
           <a:p>
             <a:fld id="{1A262375-3BBF-904C-8051-E98C412ED03A}" type="datetime1">
               <a:rPr lang="en-US" smtClean="0"/>
-              <a:t>2/9/17</a:t>
+              <a:t>3/1/17</a:t>
             </a:fld>
             <a:endParaRPr lang="en-US"/>
           </a:p>
@@ -1758,7 +1758,7 @@
           <a:p>
             <a:fld id="{014586BC-7856-1741-AD0B-EE33EC4E518D}" type="datetime1">
               <a:rPr lang="en-US" smtClean="0"/>
-              <a:t>2/9/17</a:t>
+              <a:t>3/1/17</a:t>
             </a:fld>
             <a:endParaRPr lang="en-US"/>
           </a:p>
@@ -2052,7 +2052,7 @@
           <a:p>
             <a:fld id="{1FCAC5D8-AF87-324D-95D3-D6D54E182293}" type="datetime1">
               <a:rPr lang="en-US" smtClean="0"/>
-              <a:t>2/9/17</a:t>
+              <a:t>3/1/17</a:t>
             </a:fld>
             <a:endParaRPr lang="en-US" dirty="0"/>
           </a:p>
@@ -2439,7 +2439,7 @@
           <a:p>
             <a:fld id="{EFE068BA-6094-444C-97BA-6FC7A2877310}" type="datetime1">
               <a:rPr lang="en-US" smtClean="0"/>
-              <a:t>2/9/17</a:t>
+              <a:t>3/1/17</a:t>
             </a:fld>
             <a:endParaRPr lang="en-US"/>
           </a:p>
@@ -2563,7 +2563,7 @@
           <a:p>
             <a:fld id="{7B52FD35-E83C-5548-B1FB-76D71419F52A}" type="datetime1">
               <a:rPr lang="en-US" smtClean="0"/>
-              <a:t>2/9/17</a:t>
+              <a:t>3/1/17</a:t>
             </a:fld>
             <a:endParaRPr lang="en-US"/>
           </a:p>
@@ -2740,7 +2740,7 @@
           <a:p>
             <a:fld id="{980E0633-7A4C-7745-9F88-15180C289BA2}" type="datetime1">
               <a:rPr lang="en-US" smtClean="0"/>
-              <a:t>2/9/17</a:t>
+              <a:t>3/1/17</a:t>
             </a:fld>
             <a:endParaRPr lang="en-US"/>
           </a:p>
@@ -3100,7 +3100,7 @@
           <a:p>
             <a:fld id="{BFA6BC41-C466-2842-BADB-5022C22F5798}" type="datetime1">
               <a:rPr lang="en-US" smtClean="0"/>
-              <a:t>2/9/17</a:t>
+              <a:t>3/1/17</a:t>
             </a:fld>
             <a:endParaRPr lang="en-US"/>
           </a:p>
@@ -3485,7 +3485,7 @@
           <a:p>
             <a:fld id="{C455B2BC-05B3-8145-BF40-0F0FCDD2882A}" type="datetime1">
               <a:rPr lang="en-US" smtClean="0"/>
-              <a:t>2/9/17</a:t>
+              <a:t>3/1/17</a:t>
             </a:fld>
             <a:endParaRPr lang="en-US"/>
           </a:p>
@@ -3771,7 +3771,7 @@
           <a:p>
             <a:fld id="{AFC88FFC-6D65-4647-AF0B-491B52EDC8EB}" type="datetime1">
               <a:rPr lang="en-US" smtClean="0"/>
-              <a:t>2/9/17</a:t>
+              <a:t>3/1/17</a:t>
             </a:fld>
             <a:endParaRPr lang="en-US" dirty="0"/>
           </a:p>
@@ -4425,7 +4425,6 @@
               <a:rPr lang="en-US" dirty="0"/>
               <a:t>George Neville-Neil</a:t>
             </a:r>
-            <a:endParaRPr lang="en-US" dirty="0"/>
           </a:p>
         </p:txBody>
       </p:sp>
@@ -4513,8 +4512,13 @@
           <a:p>
             <a:r>
               <a:rPr lang="en-US" dirty="0"/>
-              <a:t>What happens for each signal?  \item </a:t>
-            </a:r>
+              <a:t>What happens for each signal</a:t>
+            </a:r>
+            <a:r>
+              <a:rPr lang="en-US" dirty="0" smtClean="0"/>
+              <a:t>?</a:t>
+            </a:r>
+            <a:endParaRPr lang="en-US" dirty="0"/>
           </a:p>
           <a:p>
             <a:r>
@@ -4522,55 +4526,103 @@
               <a:t>Count number of sockets opened when </a:t>
             </a:r>
             <a:r>
-              <a:rPr lang="en-US" dirty="0" err="1"/>
-              <a:t>nginx</a:t>
-            </a:r>
+              <a:rPr lang="en-US" dirty="0" err="1" smtClean="0"/>
+              <a:t>sshd</a:t>
+            </a:r>
+            <a:r>
+              <a:rPr lang="en-US" dirty="0" smtClean="0"/>
+              <a:t> </a:t>
+            </a:r>
+            <a:r>
+              <a:rPr lang="en-US" smtClean="0"/>
+              <a:t>is restarted</a:t>
+            </a:r>
+            <a:endParaRPr lang="en-US" dirty="0" smtClean="0"/>
+          </a:p>
+          <a:p>
+            <a:pPr lvl="1"/>
+            <a:r>
+              <a:rPr lang="en-US" dirty="0" smtClean="0">
+                <a:latin typeface="Courier" charset="0"/>
+                <a:ea typeface="Courier" charset="0"/>
+                <a:cs typeface="Courier" charset="0"/>
+              </a:rPr>
+              <a:t>/</a:t>
+            </a:r>
+            <a:r>
+              <a:rPr lang="en-US" dirty="0" err="1" smtClean="0">
+                <a:latin typeface="Courier" charset="0"/>
+                <a:ea typeface="Courier" charset="0"/>
+                <a:cs typeface="Courier" charset="0"/>
+              </a:rPr>
+              <a:t>etc</a:t>
+            </a:r>
+            <a:r>
+              <a:rPr lang="en-US" dirty="0" smtClean="0">
+                <a:latin typeface="Courier" charset="0"/>
+                <a:ea typeface="Courier" charset="0"/>
+                <a:cs typeface="Courier" charset="0"/>
+              </a:rPr>
+              <a:t>/</a:t>
+            </a:r>
+            <a:r>
+              <a:rPr lang="en-US" dirty="0" err="1" smtClean="0">
+                <a:latin typeface="Courier" charset="0"/>
+                <a:ea typeface="Courier" charset="0"/>
+                <a:cs typeface="Courier" charset="0"/>
+              </a:rPr>
+              <a:t>rc.d</a:t>
+            </a:r>
+            <a:r>
+              <a:rPr lang="en-US" dirty="0" smtClean="0">
+                <a:latin typeface="Courier" charset="0"/>
+                <a:ea typeface="Courier" charset="0"/>
+                <a:cs typeface="Courier" charset="0"/>
+              </a:rPr>
+              <a:t>/</a:t>
+            </a:r>
+            <a:r>
+              <a:rPr lang="en-US" dirty="0" err="1" smtClean="0">
+                <a:latin typeface="Courier" charset="0"/>
+                <a:ea typeface="Courier" charset="0"/>
+                <a:cs typeface="Courier" charset="0"/>
+              </a:rPr>
+              <a:t>sshd</a:t>
+            </a:r>
+            <a:r>
+              <a:rPr lang="en-US" dirty="0" smtClean="0">
+                <a:latin typeface="Courier" charset="0"/>
+                <a:ea typeface="Courier" charset="0"/>
+                <a:cs typeface="Courier" charset="0"/>
+              </a:rPr>
+              <a:t> </a:t>
+            </a:r>
+            <a:r>
+              <a:rPr lang="en-US" dirty="0" err="1" smtClean="0">
+                <a:latin typeface="Courier" charset="0"/>
+                <a:ea typeface="Courier" charset="0"/>
+                <a:cs typeface="Courier" charset="0"/>
+              </a:rPr>
+              <a:t>forcerestart</a:t>
+            </a:r>
+            <a:endParaRPr lang="en-US" dirty="0">
+              <a:latin typeface="Courier" charset="0"/>
+              <a:ea typeface="Courier" charset="0"/>
+              <a:cs typeface="Courier" charset="0"/>
+            </a:endParaRPr>
+          </a:p>
+          <a:p>
             <a:r>
               <a:rPr lang="en-US" dirty="0"/>
-              <a:t> is restarted. 	/</a:t>
-            </a:r>
-            <a:r>
-              <a:rPr lang="en-US" dirty="0" err="1"/>
-              <a:t>usr</a:t>
+              <a:t>When is the socket in Question </a:t>
+            </a:r>
+            <a:r>
+              <a:rPr lang="en-US" dirty="0" smtClean="0"/>
+              <a:t>3 </a:t>
             </a:r>
             <a:r>
               <a:rPr lang="en-US" dirty="0"/>
-              <a:t>/local/</a:t>
-            </a:r>
-            <a:r>
-              <a:rPr lang="en-US" dirty="0" err="1"/>
-              <a:t>etc</a:t>
-            </a:r>
-            <a:r>
-              <a:rPr lang="en-US" dirty="0"/>
-              <a:t>/</a:t>
-            </a:r>
-            <a:r>
-              <a:rPr lang="en-US" dirty="0" err="1"/>
-              <a:t>rc.d</a:t>
-            </a:r>
-            <a:r>
-              <a:rPr lang="en-US" dirty="0"/>
-              <a:t>/</a:t>
-            </a:r>
-            <a:r>
-              <a:rPr lang="en-US" dirty="0" err="1"/>
-              <a:t>nginx</a:t>
-            </a:r>
-            <a:r>
-              <a:rPr lang="en-US" dirty="0"/>
-              <a:t> </a:t>
-            </a:r>
-            <a:r>
-              <a:rPr lang="en-US" dirty="0" err="1"/>
-              <a:t>forcerestart</a:t>
-            </a:r>
-            <a:endParaRPr lang="en-US" dirty="0"/>
-          </a:p>
-          <a:p>
-            <a:r>
-              <a:rPr lang="en-US" dirty="0"/>
-              <a:t>When is the socket in Question 2 closed</a:t>
+              <a:t>closed</a:t>
             </a:r>
           </a:p>
           <a:p>
